--- a/temp.pptx
+++ b/temp.pptx
@@ -5,19 +5,19 @@
     <p:sldMasterId id="2147483650" r:id="rId1"/>
   </p:sldMasterIdLst>
   <p:notesMasterIdLst>
-    <p:notesMasterId r:id="rId12"/>
+    <p:notesMasterId r:id="rId5"/>
   </p:notesMasterIdLst>
   <p:sldIdLst>
     <p:sldId id="267" r:id="rId2"/>
     <p:sldId id="298" r:id="rId3"/>
     <p:sldId id="299" r:id="rId4"/>
-    <p:sldId id="300" r:id="rId5"/>
-    <p:sldId id="301" r:id="rId6"/>
-    <p:sldId id="302" r:id="rId7"/>
-    <p:sldId id="303" r:id="rId8"/>
-    <p:sldId id="304" r:id="rId9"/>
-    <p:sldId id="305" r:id="rId10"/>
-    <p:sldId id="306" r:id="rId11"/>
+    <p:sldId id="300" r:id="rId12"/>
+    <p:sldId id="301" r:id="rId13"/>
+    <p:sldId id="302" r:id="rId14"/>
+    <p:sldId id="303" r:id="rId15"/>
+    <p:sldId id="304" r:id="rId16"/>
+    <p:sldId id="305" r:id="rId17"/>
+    <p:sldId id="306" r:id="rId18"/>
     <p:sldId id="307" r:id="rId19"/>
     <p:sldId id="308" r:id="rId20"/>
   </p:sldIdLst>
@@ -5145,7 +5145,7 @@
 </file>
 
 <file path=ppt/slides/slide10.xml><?xml version="1.0" encoding="utf-8"?>
-<p:sld xmlns:a="http://schemas.openxmlformats.org/drawingml/2006/main" xmlns:r="http://schemas.openxmlformats.org/officeDocument/2006/relationships" xmlns:p="http://schemas.openxmlformats.org/presentationml/2006/main">
+<p:sld xmlns:a="http://schemas.openxmlformats.org/drawingml/2006/main" xmlns:p="http://schemas.openxmlformats.org/presentationml/2006/main" xmlns:r="http://schemas.openxmlformats.org/officeDocument/2006/relationships">
   <p:cSld>
     <p:spTree>
       <p:nvGrpSpPr>
@@ -5153,20 +5153,13 @@
         <p:cNvGrpSpPr/>
         <p:nvPr/>
       </p:nvGrpSpPr>
-      <p:grpSpPr>
-        <a:xfrm>
-          <a:off x="0" y="0"/>
-          <a:ext cx="0" cy="0"/>
-          <a:chOff x="0" y="0"/>
-          <a:chExt cx="0" cy="0"/>
-        </a:xfrm>
-      </p:grpSpPr>
+      <p:grpSpPr/>
       <p:sp>
         <p:nvSpPr>
           <p:cNvPr id="2" name="Title 1">
             <a:extLst>
               <a:ext uri="{FF2B5EF4-FFF2-40B4-BE49-F238E27FC236}">
-                <a16:creationId xmlns:a16="http://schemas.microsoft.com/office/drawing/2014/main" id="{8AF18870-1A65-268F-D244-BA2148248294}"/>
+                <a16:creationId xmlns:a16="http://schemas.microsoft.com/office/drawing/2014/main" id="{8C546A1E-3282-3F02-B1AB-51E7A78F8696}"/>
               </a:ext>
             </a:extLst>
           </p:cNvPr>
@@ -5185,32 +5178,25 @@
             <a:r>
               <a:rPr lang="en-US" sz="3000" b="1" dirty="0">
                 <a:latin typeface="Calibri"/>
-                <a:ea typeface="Calibri"/>
-                <a:cs typeface="Calibri"/>
+                <a:ea typeface="+mj-lt"/>
+                <a:cs typeface="+mj-lt"/>
               </a:rPr>
               <a:t>{title}</a:t>
             </a:r>
             <a:endParaRPr lang="en-US" sz="3000" b="1" dirty="0">
               <a:latin typeface="Calibri"/>
               <a:ea typeface="Calibri"/>
-              <a:cs typeface="Poppins SemiBold"/>
+              <a:cs typeface="Calibri"/>
             </a:endParaRPr>
           </a:p>
-          <a:p>
-            <a:endParaRPr lang="en-US" sz="3000" b="1" dirty="0">
-              <a:latin typeface="Calibri"/>
-              <a:ea typeface="Calibri"/>
-              <a:cs typeface="Poppins SemiBold"/>
-            </a:endParaRPr>
-          </a:p>
-        </p:txBody>
-      </p:sp>
-      <p:sp>
-        <p:nvSpPr>
-          <p:cNvPr id="4" name="TextBox 3">
+        </p:txBody>
+      </p:sp>
+      <p:sp>
+        <p:nvSpPr>
+          <p:cNvPr id="7" name="TextBox 6">
             <a:extLst>
               <a:ext uri="{FF2B5EF4-FFF2-40B4-BE49-F238E27FC236}">
-                <a16:creationId xmlns:a16="http://schemas.microsoft.com/office/drawing/2014/main" id="{7DA77F78-87E2-A976-6BFC-89FDE60C9467}"/>
+                <a16:creationId xmlns:a16="http://schemas.microsoft.com/office/drawing/2014/main" id="{D76FDF05-21BE-47CA-8E8E-B251B94A77D7}"/>
               </a:ext>
             </a:extLst>
           </p:cNvPr>
@@ -5219,8 +5205,8 @@
         </p:nvSpPr>
         <p:spPr>
           <a:xfrm>
-            <a:off x="1532084" y="1445776"/>
-            <a:ext cx="10127846" cy="547714"/>
+            <a:off x="2622428" y="1305911"/>
+            <a:ext cx="9396662" cy="547714"/>
           </a:xfrm>
           <a:prstGeom prst="rect">
             <a:avLst/>
@@ -5254,12 +5240,78 @@
           </a:p>
         </p:txBody>
       </p:sp>
+      <p:sp>
+        <p:nvSpPr>
+          <p:cNvPr id="4" name="TextBox 3">
+            <a:extLst>
+              <a:ext uri="{FF2B5EF4-FFF2-40B4-BE49-F238E27FC236}">
+                <a16:creationId xmlns:a16="http://schemas.microsoft.com/office/drawing/2014/main" id="{31D49A63-113D-4D89-FCDF-641BB513C668}"/>
+              </a:ext>
+            </a:extLst>
+          </p:cNvPr>
+          <p:cNvSpPr txBox="1"/>
+          <p:nvPr/>
+        </p:nvSpPr>
+        <p:spPr>
+          <a:xfrm>
+            <a:off x="1637862" y="4114798"/>
+            <a:ext cx="4853165" cy="369332"/>
+          </a:xfrm>
+          <a:prstGeom prst="rect">
+            <a:avLst/>
+          </a:prstGeom>
+          <a:noFill/>
+        </p:spPr>
+        <p:txBody>
+          <a:bodyPr wrap="square" rtlCol="0" anchor="t" anchorCtr="0">
+            <a:spAutoFit/>
+          </a:bodyPr>
+          <a:lstStyle/>
+          <a:p>
+            <a:r>
+              <a:rPr lang="en-IN" dirty="0"/>
+              <a:t>{code}</a:t>
+            </a:r>
+          </a:p>
+        </p:txBody>
+      </p:sp>
+      <p:sp>
+        <p:nvSpPr>
+          <p:cNvPr id="5" name="TextBox 4">
+            <a:extLst>
+              <a:ext uri="{FF2B5EF4-FFF2-40B4-BE49-F238E27FC236}">
+                <a16:creationId xmlns:a16="http://schemas.microsoft.com/office/drawing/2014/main" id="{5DDDEAD6-0A16-A764-2C88-3B42006212FC}"/>
+              </a:ext>
+            </a:extLst>
+          </p:cNvPr>
+          <p:cNvSpPr txBox="1"/>
+          <p:nvPr/>
+        </p:nvSpPr>
+        <p:spPr>
+          <a:xfrm>
+            <a:off x="6491027" y="4114797"/>
+            <a:ext cx="6444000" cy="3348000"/>
+          </a:xfrm>
+          <a:prstGeom prst="rect">
+            <a:avLst/>
+          </a:prstGeom>
+          <a:noFill/>
+        </p:spPr>
+        <p:txBody>
+          <a:bodyPr wrap="square" rtlCol="0" anchor="t" anchorCtr="0">
+            <a:spAutoFit/>
+          </a:bodyPr>
+          <a:lstStyle/>
+          <a:p>
+            <a:r>
+              <a:rPr lang="en-IN"/>
+              <a:t>imageurl</a:t>
+            </a:r>
+            <a:endParaRPr lang="en-IN" dirty="0"/>
+          </a:p>
+        </p:txBody>
+      </p:sp>
     </p:spTree>
-    <p:extLst>
-      <p:ext uri="{BB962C8B-B14F-4D97-AF65-F5344CB8AC3E}">
-        <p14:creationId xmlns:p14="http://schemas.microsoft.com/office/powerpoint/2010/main" val="2656688189"/>
-      </p:ext>
-    </p:extLst>
   </p:cSld>
   <p:clrMapOvr>
     <a:masterClrMapping/>
@@ -5282,7 +5334,7 @@
           <p:cNvPr id="2" name="Title 1">
             <a:extLst>
               <a:ext uri="{FF2B5EF4-FFF2-40B4-BE49-F238E27FC236}">
-                <a16:creationId xmlns:a16="http://schemas.microsoft.com/office/drawing/2014/main" id="{8AF18870-1A65-268F-D244-BA2148248294}"/>
+                <a16:creationId xmlns:a16="http://schemas.microsoft.com/office/drawing/2014/main" id="{8C546A1E-3282-3F02-B1AB-51E7A78F8696}"/>
               </a:ext>
             </a:extLst>
           </p:cNvPr>
@@ -5301,32 +5353,25 @@
             <a:r>
               <a:rPr lang="en-US" sz="3000" b="1" dirty="0">
                 <a:latin typeface="Calibri"/>
-                <a:ea typeface="Calibri"/>
-                <a:cs typeface="Calibri"/>
+                <a:ea typeface="+mj-lt"/>
+                <a:cs typeface="+mj-lt"/>
               </a:rPr>
               <a:t>{title}</a:t>
             </a:r>
             <a:endParaRPr lang="en-US" sz="3000" b="1" dirty="0">
               <a:latin typeface="Calibri"/>
               <a:ea typeface="Calibri"/>
-              <a:cs typeface="Poppins SemiBold"/>
+              <a:cs typeface="Calibri"/>
             </a:endParaRPr>
           </a:p>
-          <a:p>
-            <a:endParaRPr lang="en-US" sz="3000" b="1" dirty="0">
-              <a:latin typeface="Calibri"/>
-              <a:ea typeface="Calibri"/>
-              <a:cs typeface="Poppins SemiBold"/>
-            </a:endParaRPr>
-          </a:p>
-        </p:txBody>
-      </p:sp>
-      <p:sp>
-        <p:nvSpPr>
-          <p:cNvPr id="4" name="TextBox 3">
+        </p:txBody>
+      </p:sp>
+      <p:sp>
+        <p:nvSpPr>
+          <p:cNvPr id="7" name="TextBox 6">
             <a:extLst>
               <a:ext uri="{FF2B5EF4-FFF2-40B4-BE49-F238E27FC236}">
-                <a16:creationId xmlns:a16="http://schemas.microsoft.com/office/drawing/2014/main" id="{7DA77F78-87E2-A976-6BFC-89FDE60C9467}"/>
+                <a16:creationId xmlns:a16="http://schemas.microsoft.com/office/drawing/2014/main" id="{D76FDF05-21BE-47CA-8E8E-B251B94A77D7}"/>
               </a:ext>
             </a:extLst>
           </p:cNvPr>
@@ -5335,8 +5380,8 @@
         </p:nvSpPr>
         <p:spPr>
           <a:xfrm>
-            <a:off x="1532084" y="1445776"/>
-            <a:ext cx="10127846" cy="547714"/>
+            <a:off x="2622428" y="1305911"/>
+            <a:ext cx="9396662" cy="547714"/>
           </a:xfrm>
           <a:prstGeom prst="rect">
             <a:avLst/>
@@ -5367,6 +5412,77 @@
               </a:rPr>
               <a:t>{content}</a:t>
             </a:r>
+          </a:p>
+        </p:txBody>
+      </p:sp>
+      <p:sp>
+        <p:nvSpPr>
+          <p:cNvPr id="4" name="TextBox 3">
+            <a:extLst>
+              <a:ext uri="{FF2B5EF4-FFF2-40B4-BE49-F238E27FC236}">
+                <a16:creationId xmlns:a16="http://schemas.microsoft.com/office/drawing/2014/main" id="{31D49A63-113D-4D89-FCDF-641BB513C668}"/>
+              </a:ext>
+            </a:extLst>
+          </p:cNvPr>
+          <p:cNvSpPr txBox="1"/>
+          <p:nvPr/>
+        </p:nvSpPr>
+        <p:spPr>
+          <a:xfrm>
+            <a:off x="1637862" y="4114798"/>
+            <a:ext cx="4853165" cy="369332"/>
+          </a:xfrm>
+          <a:prstGeom prst="rect">
+            <a:avLst/>
+          </a:prstGeom>
+          <a:noFill/>
+        </p:spPr>
+        <p:txBody>
+          <a:bodyPr wrap="square" rtlCol="0" anchor="t" anchorCtr="0">
+            <a:spAutoFit/>
+          </a:bodyPr>
+          <a:lstStyle/>
+          <a:p>
+            <a:r>
+              <a:rPr lang="en-IN" dirty="0"/>
+              <a:t>{code}</a:t>
+            </a:r>
+          </a:p>
+        </p:txBody>
+      </p:sp>
+      <p:sp>
+        <p:nvSpPr>
+          <p:cNvPr id="5" name="TextBox 4">
+            <a:extLst>
+              <a:ext uri="{FF2B5EF4-FFF2-40B4-BE49-F238E27FC236}">
+                <a16:creationId xmlns:a16="http://schemas.microsoft.com/office/drawing/2014/main" id="{5DDDEAD6-0A16-A764-2C88-3B42006212FC}"/>
+              </a:ext>
+            </a:extLst>
+          </p:cNvPr>
+          <p:cNvSpPr txBox="1"/>
+          <p:nvPr/>
+        </p:nvSpPr>
+        <p:spPr>
+          <a:xfrm>
+            <a:off x="6491027" y="4114797"/>
+            <a:ext cx="6444000" cy="3348000"/>
+          </a:xfrm>
+          <a:prstGeom prst="rect">
+            <a:avLst/>
+          </a:prstGeom>
+          <a:noFill/>
+        </p:spPr>
+        <p:txBody>
+          <a:bodyPr wrap="square" rtlCol="0" anchor="t" anchorCtr="0">
+            <a:spAutoFit/>
+          </a:bodyPr>
+          <a:lstStyle/>
+          <a:p>
+            <a:r>
+              <a:rPr lang="en-IN"/>
+              <a:t>imageurl</a:t>
+            </a:r>
+            <a:endParaRPr lang="en-IN" dirty="0"/>
           </a:p>
         </p:txBody>
       </p:sp>
@@ -5393,7 +5509,7 @@
           <p:cNvPr id="2" name="Title 1">
             <a:extLst>
               <a:ext uri="{FF2B5EF4-FFF2-40B4-BE49-F238E27FC236}">
-                <a16:creationId xmlns:a16="http://schemas.microsoft.com/office/drawing/2014/main" id="{8AF18870-1A65-268F-D244-BA2148248294}"/>
+                <a16:creationId xmlns:a16="http://schemas.microsoft.com/office/drawing/2014/main" id="{8C546A1E-3282-3F02-B1AB-51E7A78F8696}"/>
               </a:ext>
             </a:extLst>
           </p:cNvPr>
@@ -5412,32 +5528,25 @@
             <a:r>
               <a:rPr lang="en-US" sz="3000" b="1" dirty="0">
                 <a:latin typeface="Calibri"/>
-                <a:ea typeface="Calibri"/>
-                <a:cs typeface="Calibri"/>
+                <a:ea typeface="+mj-lt"/>
+                <a:cs typeface="+mj-lt"/>
               </a:rPr>
               <a:t>{title}</a:t>
             </a:r>
             <a:endParaRPr lang="en-US" sz="3000" b="1" dirty="0">
               <a:latin typeface="Calibri"/>
               <a:ea typeface="Calibri"/>
-              <a:cs typeface="Poppins SemiBold"/>
+              <a:cs typeface="Calibri"/>
             </a:endParaRPr>
           </a:p>
-          <a:p>
-            <a:endParaRPr lang="en-US" sz="3000" b="1" dirty="0">
-              <a:latin typeface="Calibri"/>
-              <a:ea typeface="Calibri"/>
-              <a:cs typeface="Poppins SemiBold"/>
-            </a:endParaRPr>
-          </a:p>
-        </p:txBody>
-      </p:sp>
-      <p:sp>
-        <p:nvSpPr>
-          <p:cNvPr id="4" name="TextBox 3">
+        </p:txBody>
+      </p:sp>
+      <p:sp>
+        <p:nvSpPr>
+          <p:cNvPr id="7" name="TextBox 6">
             <a:extLst>
               <a:ext uri="{FF2B5EF4-FFF2-40B4-BE49-F238E27FC236}">
-                <a16:creationId xmlns:a16="http://schemas.microsoft.com/office/drawing/2014/main" id="{7DA77F78-87E2-A976-6BFC-89FDE60C9467}"/>
+                <a16:creationId xmlns:a16="http://schemas.microsoft.com/office/drawing/2014/main" id="{D76FDF05-21BE-47CA-8E8E-B251B94A77D7}"/>
               </a:ext>
             </a:extLst>
           </p:cNvPr>
@@ -5446,8 +5555,8 @@
         </p:nvSpPr>
         <p:spPr>
           <a:xfrm>
-            <a:off x="1532084" y="1445776"/>
-            <a:ext cx="10127846" cy="547714"/>
+            <a:off x="2622428" y="1305911"/>
+            <a:ext cx="9396662" cy="547714"/>
           </a:xfrm>
           <a:prstGeom prst="rect">
             <a:avLst/>
@@ -5478,6 +5587,77 @@
               </a:rPr>
               <a:t>{content}</a:t>
             </a:r>
+          </a:p>
+        </p:txBody>
+      </p:sp>
+      <p:sp>
+        <p:nvSpPr>
+          <p:cNvPr id="4" name="TextBox 3">
+            <a:extLst>
+              <a:ext uri="{FF2B5EF4-FFF2-40B4-BE49-F238E27FC236}">
+                <a16:creationId xmlns:a16="http://schemas.microsoft.com/office/drawing/2014/main" id="{31D49A63-113D-4D89-FCDF-641BB513C668}"/>
+              </a:ext>
+            </a:extLst>
+          </p:cNvPr>
+          <p:cNvSpPr txBox="1"/>
+          <p:nvPr/>
+        </p:nvSpPr>
+        <p:spPr>
+          <a:xfrm>
+            <a:off x="1637862" y="4114798"/>
+            <a:ext cx="4853165" cy="369332"/>
+          </a:xfrm>
+          <a:prstGeom prst="rect">
+            <a:avLst/>
+          </a:prstGeom>
+          <a:noFill/>
+        </p:spPr>
+        <p:txBody>
+          <a:bodyPr wrap="square" rtlCol="0" anchor="t" anchorCtr="0">
+            <a:spAutoFit/>
+          </a:bodyPr>
+          <a:lstStyle/>
+          <a:p>
+            <a:r>
+              <a:rPr lang="en-IN" dirty="0"/>
+              <a:t>{code}</a:t>
+            </a:r>
+          </a:p>
+        </p:txBody>
+      </p:sp>
+      <p:sp>
+        <p:nvSpPr>
+          <p:cNvPr id="5" name="TextBox 4">
+            <a:extLst>
+              <a:ext uri="{FF2B5EF4-FFF2-40B4-BE49-F238E27FC236}">
+                <a16:creationId xmlns:a16="http://schemas.microsoft.com/office/drawing/2014/main" id="{5DDDEAD6-0A16-A764-2C88-3B42006212FC}"/>
+              </a:ext>
+            </a:extLst>
+          </p:cNvPr>
+          <p:cNvSpPr txBox="1"/>
+          <p:nvPr/>
+        </p:nvSpPr>
+        <p:spPr>
+          <a:xfrm>
+            <a:off x="6491027" y="4114797"/>
+            <a:ext cx="6444000" cy="3348000"/>
+          </a:xfrm>
+          <a:prstGeom prst="rect">
+            <a:avLst/>
+          </a:prstGeom>
+          <a:noFill/>
+        </p:spPr>
+        <p:txBody>
+          <a:bodyPr wrap="square" rtlCol="0" anchor="t" anchorCtr="0">
+            <a:spAutoFit/>
+          </a:bodyPr>
+          <a:lstStyle/>
+          <a:p>
+            <a:r>
+              <a:rPr lang="en-IN"/>
+              <a:t>imageurl</a:t>
+            </a:r>
+            <a:endParaRPr lang="en-IN" dirty="0"/>
           </a:p>
         </p:txBody>
       </p:sp>
@@ -5592,42 +5772,77 @@
           </a:p>
         </p:txBody>
       </p:sp>
-      <p:pic>
-        <p:nvPicPr>
-          <p:cNvPr id="5" name="Graphic 4" descr="What is an API? A Beginner's Guide to APIs | Postman">
+      <p:sp>
+        <p:nvSpPr>
+          <p:cNvPr id="3" name="TextBox 2">
             <a:extLst>
               <a:ext uri="{FF2B5EF4-FFF2-40B4-BE49-F238E27FC236}">
-                <a16:creationId xmlns:a16="http://schemas.microsoft.com/office/drawing/2014/main" id="{5C6F5A16-0823-F05A-D22A-1FA513F1C5C1}"/>
+                <a16:creationId xmlns:a16="http://schemas.microsoft.com/office/drawing/2014/main" id="{8F9EFFD1-A05B-875F-E5A2-49BB86FB196E}"/>
               </a:ext>
             </a:extLst>
           </p:cNvPr>
-          <p:cNvPicPr>
-            <a:picLocks noChangeAspect="1"/>
-          </p:cNvPicPr>
+          <p:cNvSpPr txBox="1"/>
           <p:nvPr/>
-        </p:nvPicPr>
-        <p:blipFill>
-          <a:blip r:embed="rId2">
+        </p:nvSpPr>
+        <p:spPr>
+          <a:xfrm>
+            <a:off x="1637862" y="4114798"/>
+            <a:ext cx="4853165" cy="369332"/>
+          </a:xfrm>
+          <a:prstGeom prst="rect">
+            <a:avLst/>
+          </a:prstGeom>
+          <a:noFill/>
+        </p:spPr>
+        <p:txBody>
+          <a:bodyPr wrap="square" rtlCol="0" anchor="t" anchorCtr="0">
+            <a:spAutoFit/>
+          </a:bodyPr>
+          <a:lstStyle/>
+          <a:p>
+            <a:r>
+              <a:rPr lang="en-IN" dirty="0"/>
+              <a:t>{code}</a:t>
+            </a:r>
+          </a:p>
+        </p:txBody>
+      </p:sp>
+      <p:sp>
+        <p:nvSpPr>
+          <p:cNvPr id="6" name="TextBox 5">
             <a:extLst>
-              <a:ext uri="{96DAC541-7B7A-43D3-8B79-37D633B846F1}">
-                <asvg:svgBlip xmlns:asvg="http://schemas.microsoft.com/office/drawing/2016/SVG/main" r:embed="rId3"/>
+              <a:ext uri="{FF2B5EF4-FFF2-40B4-BE49-F238E27FC236}">
+                <a16:creationId xmlns:a16="http://schemas.microsoft.com/office/drawing/2014/main" id="{70857180-0292-65BC-3C56-78C680336268}"/>
               </a:ext>
             </a:extLst>
-          </a:blip>
-          <a:stretch>
-            <a:fillRect/>
-          </a:stretch>
-        </p:blipFill>
-        <p:spPr>
-          <a:xfrm>
-            <a:off x="3235526" y="3550211"/>
-            <a:ext cx="6516545" cy="3977893"/>
-          </a:xfrm>
-          <a:prstGeom prst="rect">
-            <a:avLst/>
-          </a:prstGeom>
-        </p:spPr>
-      </p:pic>
+          </p:cNvPr>
+          <p:cNvSpPr txBox="1"/>
+          <p:nvPr/>
+        </p:nvSpPr>
+        <p:spPr>
+          <a:xfrm>
+            <a:off x="6491027" y="4114797"/>
+            <a:ext cx="6444000" cy="3348000"/>
+          </a:xfrm>
+          <a:prstGeom prst="rect">
+            <a:avLst/>
+          </a:prstGeom>
+          <a:noFill/>
+        </p:spPr>
+        <p:txBody>
+          <a:bodyPr wrap="square" rtlCol="0" anchor="t" anchorCtr="0">
+            <a:spAutoFit/>
+          </a:bodyPr>
+          <a:lstStyle/>
+          <a:p>
+            <a:r>
+              <a:rPr lang="en-IN"/>
+              <a:t>imageurl</a:t>
+            </a:r>
+            <a:endParaRPr lang="en-IN" dirty="0"/>
+          </a:p>
+        </p:txBody>
+      </p:sp>
     </p:spTree>
     <p:extLst>
       <p:ext uri="{BB962C8B-B14F-4D97-AF65-F5344CB8AC3E}">
@@ -5697,10 +5912,10 @@
       </p:sp>
       <p:sp>
         <p:nvSpPr>
-          <p:cNvPr id="3" name="TextBox 2">
+          <p:cNvPr id="7" name="TextBox 6">
             <a:extLst>
               <a:ext uri="{FF2B5EF4-FFF2-40B4-BE49-F238E27FC236}">
-                <a16:creationId xmlns:a16="http://schemas.microsoft.com/office/drawing/2014/main" id="{1A401986-8100-506F-7786-0633B0D32ED7}"/>
+                <a16:creationId xmlns:a16="http://schemas.microsoft.com/office/drawing/2014/main" id="{D76FDF05-21BE-47CA-8E8E-B251B94A77D7}"/>
               </a:ext>
             </a:extLst>
           </p:cNvPr>
@@ -5709,8 +5924,8 @@
         </p:nvSpPr>
         <p:spPr>
           <a:xfrm>
-            <a:off x="2772136" y="1224022"/>
-            <a:ext cx="9097700" cy="547714"/>
+            <a:off x="2622428" y="1305911"/>
+            <a:ext cx="9396662" cy="547714"/>
           </a:xfrm>
           <a:prstGeom prst="rect">
             <a:avLst/>
@@ -5726,11 +5941,11 @@
           </a:bodyPr>
           <a:lstStyle/>
           <a:p>
-            <a:pPr marL="228600" indent="-228600">
+            <a:pPr marL="342900" indent="-342900">
               <a:lnSpc>
                 <a:spcPct val="150000"/>
               </a:lnSpc>
-              <a:buFont typeface=""/>
+              <a:buFont typeface="Arial" panose="020B0604020202020204" pitchFamily="34" charset="0"/>
               <a:buChar char="•"/>
             </a:pPr>
             <a:r>
@@ -5741,44 +5956,80 @@
               </a:rPr>
               <a:t>{content}</a:t>
             </a:r>
-            <a:endParaRPr lang="en-US" dirty="0">
-              <a:latin typeface="Calibri"/>
-              <a:ea typeface="Calibri"/>
-              <a:cs typeface="Calibri"/>
-            </a:endParaRPr>
-          </a:p>
-        </p:txBody>
-      </p:sp>
-      <p:pic>
-        <p:nvPicPr>
-          <p:cNvPr id="4" name="Picture 3" descr="A diagram of api workflow&#10;&#10;AI-generated content may be incorrect.">
+          </a:p>
+        </p:txBody>
+      </p:sp>
+      <p:sp>
+        <p:nvSpPr>
+          <p:cNvPr id="4" name="TextBox 3">
             <a:extLst>
               <a:ext uri="{FF2B5EF4-FFF2-40B4-BE49-F238E27FC236}">
-                <a16:creationId xmlns:a16="http://schemas.microsoft.com/office/drawing/2014/main" id="{362466A9-E39F-5206-C3DB-27E49C006FE8}"/>
+                <a16:creationId xmlns:a16="http://schemas.microsoft.com/office/drawing/2014/main" id="{31D49A63-113D-4D89-FCDF-641BB513C668}"/>
               </a:ext>
             </a:extLst>
           </p:cNvPr>
-          <p:cNvPicPr>
-            <a:picLocks noChangeAspect="1"/>
-          </p:cNvPicPr>
+          <p:cNvSpPr txBox="1"/>
           <p:nvPr/>
-        </p:nvPicPr>
-        <p:blipFill>
-          <a:blip r:embed="rId2"/>
-          <a:stretch>
-            <a:fillRect/>
-          </a:stretch>
-        </p:blipFill>
-        <p:spPr>
-          <a:xfrm>
-            <a:off x="2415251" y="4813983"/>
-            <a:ext cx="9093844" cy="2768520"/>
-          </a:xfrm>
-          <a:prstGeom prst="rect">
-            <a:avLst/>
-          </a:prstGeom>
-        </p:spPr>
-      </p:pic>
+        </p:nvSpPr>
+        <p:spPr>
+          <a:xfrm>
+            <a:off x="1637862" y="4114798"/>
+            <a:ext cx="4853165" cy="369332"/>
+          </a:xfrm>
+          <a:prstGeom prst="rect">
+            <a:avLst/>
+          </a:prstGeom>
+          <a:noFill/>
+        </p:spPr>
+        <p:txBody>
+          <a:bodyPr wrap="square" rtlCol="0" anchor="t" anchorCtr="0">
+            <a:spAutoFit/>
+          </a:bodyPr>
+          <a:lstStyle/>
+          <a:p>
+            <a:r>
+              <a:rPr lang="en-IN" dirty="0"/>
+              <a:t>{code}</a:t>
+            </a:r>
+          </a:p>
+        </p:txBody>
+      </p:sp>
+      <p:sp>
+        <p:nvSpPr>
+          <p:cNvPr id="5" name="TextBox 4">
+            <a:extLst>
+              <a:ext uri="{FF2B5EF4-FFF2-40B4-BE49-F238E27FC236}">
+                <a16:creationId xmlns:a16="http://schemas.microsoft.com/office/drawing/2014/main" id="{5DDDEAD6-0A16-A764-2C88-3B42006212FC}"/>
+              </a:ext>
+            </a:extLst>
+          </p:cNvPr>
+          <p:cNvSpPr txBox="1"/>
+          <p:nvPr/>
+        </p:nvSpPr>
+        <p:spPr>
+          <a:xfrm>
+            <a:off x="6491027" y="4114797"/>
+            <a:ext cx="6444000" cy="3348000"/>
+          </a:xfrm>
+          <a:prstGeom prst="rect">
+            <a:avLst/>
+          </a:prstGeom>
+          <a:noFill/>
+        </p:spPr>
+        <p:txBody>
+          <a:bodyPr wrap="square" rtlCol="0" anchor="t" anchorCtr="0">
+            <a:spAutoFit/>
+          </a:bodyPr>
+          <a:lstStyle/>
+          <a:p>
+            <a:r>
+              <a:rPr lang="en-IN"/>
+              <a:t>imageurl</a:t>
+            </a:r>
+            <a:endParaRPr lang="en-IN" dirty="0"/>
+          </a:p>
+        </p:txBody>
+      </p:sp>
     </p:spTree>
     <p:extLst>
       <p:ext uri="{BB962C8B-B14F-4D97-AF65-F5344CB8AC3E}">
@@ -5793,7 +6044,7 @@
 </file>
 
 <file path=ppt/slides/slide4.xml><?xml version="1.0" encoding="utf-8"?>
-<p:sld xmlns:a="http://schemas.openxmlformats.org/drawingml/2006/main" xmlns:r="http://schemas.openxmlformats.org/officeDocument/2006/relationships" xmlns:p="http://schemas.openxmlformats.org/presentationml/2006/main">
+<p:sld xmlns:a="http://schemas.openxmlformats.org/drawingml/2006/main" xmlns:p="http://schemas.openxmlformats.org/presentationml/2006/main" xmlns:r="http://schemas.openxmlformats.org/officeDocument/2006/relationships">
   <p:cSld>
     <p:spTree>
       <p:nvGrpSpPr>
@@ -5801,20 +6052,13 @@
         <p:cNvGrpSpPr/>
         <p:nvPr/>
       </p:nvGrpSpPr>
-      <p:grpSpPr>
-        <a:xfrm>
-          <a:off x="0" y="0"/>
-          <a:ext cx="0" cy="0"/>
-          <a:chOff x="0" y="0"/>
-          <a:chExt cx="0" cy="0"/>
-        </a:xfrm>
-      </p:grpSpPr>
+      <p:grpSpPr/>
       <p:sp>
         <p:nvSpPr>
           <p:cNvPr id="2" name="Title 1">
             <a:extLst>
               <a:ext uri="{FF2B5EF4-FFF2-40B4-BE49-F238E27FC236}">
-                <a16:creationId xmlns:a16="http://schemas.microsoft.com/office/drawing/2014/main" id="{4E497125-E3B1-D828-369D-3DC2E2EB20A4}"/>
+                <a16:creationId xmlns:a16="http://schemas.microsoft.com/office/drawing/2014/main" id="{8C546A1E-3282-3F02-B1AB-51E7A78F8696}"/>
               </a:ext>
             </a:extLst>
           </p:cNvPr>
@@ -5833,20 +6077,25 @@
             <a:r>
               <a:rPr lang="en-US" sz="3000" b="1" dirty="0">
                 <a:latin typeface="Calibri"/>
-                <a:ea typeface="Calibri"/>
-                <a:cs typeface="Calibri"/>
+                <a:ea typeface="+mj-lt"/>
+                <a:cs typeface="+mj-lt"/>
               </a:rPr>
               <a:t>{title}</a:t>
             </a:r>
-          </a:p>
-        </p:txBody>
-      </p:sp>
-      <p:sp>
-        <p:nvSpPr>
-          <p:cNvPr id="3" name="TextBox 2">
+            <a:endParaRPr lang="en-US" sz="3000" b="1" dirty="0">
+              <a:latin typeface="Calibri"/>
+              <a:ea typeface="Calibri"/>
+              <a:cs typeface="Calibri"/>
+            </a:endParaRPr>
+          </a:p>
+        </p:txBody>
+      </p:sp>
+      <p:sp>
+        <p:nvSpPr>
+          <p:cNvPr id="7" name="TextBox 6">
             <a:extLst>
               <a:ext uri="{FF2B5EF4-FFF2-40B4-BE49-F238E27FC236}">
-                <a16:creationId xmlns:a16="http://schemas.microsoft.com/office/drawing/2014/main" id="{56D42430-7BAC-C453-56AF-1D9683F68982}"/>
+                <a16:creationId xmlns:a16="http://schemas.microsoft.com/office/drawing/2014/main" id="{D76FDF05-21BE-47CA-8E8E-B251B94A77D7}"/>
               </a:ext>
             </a:extLst>
           </p:cNvPr>
@@ -5855,8 +6104,8 @@
         </p:nvSpPr>
         <p:spPr>
           <a:xfrm>
-            <a:off x="2216552" y="1281897"/>
-            <a:ext cx="9699584" cy="547714"/>
+            <a:off x="2622428" y="1305911"/>
+            <a:ext cx="9396662" cy="547714"/>
           </a:xfrm>
           <a:prstGeom prst="rect">
             <a:avLst/>
@@ -5872,11 +6121,11 @@
           </a:bodyPr>
           <a:lstStyle/>
           <a:p>
-            <a:pPr marL="228600" indent="-228600">
+            <a:pPr marL="342900" indent="-342900">
               <a:lnSpc>
                 <a:spcPct val="150000"/>
               </a:lnSpc>
-              <a:buFont typeface=""/>
+              <a:buFont typeface="Arial" panose="020B0604020202020204" pitchFamily="34" charset="0"/>
               <a:buChar char="•"/>
             </a:pPr>
             <a:r>
@@ -5887,50 +6136,81 @@
               </a:rPr>
               <a:t>{content}</a:t>
             </a:r>
-            <a:endParaRPr lang="en-US" sz="2200" b="1" dirty="0">
-              <a:latin typeface="Calibri"/>
-              <a:ea typeface="Calibri"/>
-              <a:cs typeface="Calibri"/>
-            </a:endParaRPr>
-          </a:p>
-        </p:txBody>
-      </p:sp>
-      <p:pic>
-        <p:nvPicPr>
-          <p:cNvPr id="4" name="Picture 3" descr="A screenshot of a computer program&#10;&#10;AI-generated content may be incorrect.">
+          </a:p>
+        </p:txBody>
+      </p:sp>
+      <p:sp>
+        <p:nvSpPr>
+          <p:cNvPr id="4" name="TextBox 3">
             <a:extLst>
               <a:ext uri="{FF2B5EF4-FFF2-40B4-BE49-F238E27FC236}">
-                <a16:creationId xmlns:a16="http://schemas.microsoft.com/office/drawing/2014/main" id="{758D1BAE-12FD-7D82-BBF6-6FAD5DACF15A}"/>
+                <a16:creationId xmlns:a16="http://schemas.microsoft.com/office/drawing/2014/main" id="{31D49A63-113D-4D89-FCDF-641BB513C668}"/>
               </a:ext>
             </a:extLst>
           </p:cNvPr>
-          <p:cNvPicPr>
-            <a:picLocks noChangeAspect="1"/>
-          </p:cNvPicPr>
+          <p:cNvSpPr txBox="1"/>
           <p:nvPr/>
-        </p:nvPicPr>
-        <p:blipFill>
-          <a:blip r:embed="rId2"/>
-          <a:stretch>
-            <a:fillRect/>
-          </a:stretch>
-        </p:blipFill>
-        <p:spPr>
-          <a:xfrm>
-            <a:off x="4165259" y="4368719"/>
-            <a:ext cx="5721150" cy="3068739"/>
-          </a:xfrm>
-          <a:prstGeom prst="rect">
-            <a:avLst/>
-          </a:prstGeom>
-        </p:spPr>
-      </p:pic>
+        </p:nvSpPr>
+        <p:spPr>
+          <a:xfrm>
+            <a:off x="1637862" y="4114798"/>
+            <a:ext cx="4853165" cy="369332"/>
+          </a:xfrm>
+          <a:prstGeom prst="rect">
+            <a:avLst/>
+          </a:prstGeom>
+          <a:noFill/>
+        </p:spPr>
+        <p:txBody>
+          <a:bodyPr wrap="square" rtlCol="0" anchor="t" anchorCtr="0">
+            <a:spAutoFit/>
+          </a:bodyPr>
+          <a:lstStyle/>
+          <a:p>
+            <a:r>
+              <a:rPr lang="en-IN" dirty="0"/>
+              <a:t>{code}</a:t>
+            </a:r>
+          </a:p>
+        </p:txBody>
+      </p:sp>
+      <p:sp>
+        <p:nvSpPr>
+          <p:cNvPr id="5" name="TextBox 4">
+            <a:extLst>
+              <a:ext uri="{FF2B5EF4-FFF2-40B4-BE49-F238E27FC236}">
+                <a16:creationId xmlns:a16="http://schemas.microsoft.com/office/drawing/2014/main" id="{5DDDEAD6-0A16-A764-2C88-3B42006212FC}"/>
+              </a:ext>
+            </a:extLst>
+          </p:cNvPr>
+          <p:cNvSpPr txBox="1"/>
+          <p:nvPr/>
+        </p:nvSpPr>
+        <p:spPr>
+          <a:xfrm>
+            <a:off x="6491027" y="4114797"/>
+            <a:ext cx="6444000" cy="3348000"/>
+          </a:xfrm>
+          <a:prstGeom prst="rect">
+            <a:avLst/>
+          </a:prstGeom>
+          <a:noFill/>
+        </p:spPr>
+        <p:txBody>
+          <a:bodyPr wrap="square" rtlCol="0" anchor="t" anchorCtr="0">
+            <a:spAutoFit/>
+          </a:bodyPr>
+          <a:lstStyle/>
+          <a:p>
+            <a:r>
+              <a:rPr lang="en-IN"/>
+              <a:t>imageurl</a:t>
+            </a:r>
+            <a:endParaRPr lang="en-IN" dirty="0"/>
+          </a:p>
+        </p:txBody>
+      </p:sp>
     </p:spTree>
-    <p:extLst>
-      <p:ext uri="{BB962C8B-B14F-4D97-AF65-F5344CB8AC3E}">
-        <p14:creationId xmlns:p14="http://schemas.microsoft.com/office/powerpoint/2010/main" val="1320938549"/>
-      </p:ext>
-    </p:extLst>
   </p:cSld>
   <p:clrMapOvr>
     <a:masterClrMapping/>
@@ -5939,7 +6219,7 @@
 </file>
 
 <file path=ppt/slides/slide5.xml><?xml version="1.0" encoding="utf-8"?>
-<p:sld xmlns:a="http://schemas.openxmlformats.org/drawingml/2006/main" xmlns:r="http://schemas.openxmlformats.org/officeDocument/2006/relationships" xmlns:p="http://schemas.openxmlformats.org/presentationml/2006/main">
+<p:sld xmlns:a="http://schemas.openxmlformats.org/drawingml/2006/main" xmlns:p="http://schemas.openxmlformats.org/presentationml/2006/main" xmlns:r="http://schemas.openxmlformats.org/officeDocument/2006/relationships">
   <p:cSld>
     <p:spTree>
       <p:nvGrpSpPr>
@@ -5947,20 +6227,13 @@
         <p:cNvGrpSpPr/>
         <p:nvPr/>
       </p:nvGrpSpPr>
-      <p:grpSpPr>
-        <a:xfrm>
-          <a:off x="0" y="0"/>
-          <a:ext cx="0" cy="0"/>
-          <a:chOff x="0" y="0"/>
-          <a:chExt cx="0" cy="0"/>
-        </a:xfrm>
-      </p:grpSpPr>
+      <p:grpSpPr/>
       <p:sp>
         <p:nvSpPr>
           <p:cNvPr id="2" name="Title 1">
             <a:extLst>
               <a:ext uri="{FF2B5EF4-FFF2-40B4-BE49-F238E27FC236}">
-                <a16:creationId xmlns:a16="http://schemas.microsoft.com/office/drawing/2014/main" id="{B6F378F6-5A71-8761-EF1F-CFA94B8AED2C}"/>
+                <a16:creationId xmlns:a16="http://schemas.microsoft.com/office/drawing/2014/main" id="{8C546A1E-3282-3F02-B1AB-51E7A78F8696}"/>
               </a:ext>
             </a:extLst>
           </p:cNvPr>
@@ -5994,10 +6267,10 @@
       </p:sp>
       <p:sp>
         <p:nvSpPr>
-          <p:cNvPr id="3" name="TextBox 2">
+          <p:cNvPr id="7" name="TextBox 6">
             <a:extLst>
               <a:ext uri="{FF2B5EF4-FFF2-40B4-BE49-F238E27FC236}">
-                <a16:creationId xmlns:a16="http://schemas.microsoft.com/office/drawing/2014/main" id="{749FDD02-E8D4-57CB-E416-EF8180A6DCA3}"/>
+                <a16:creationId xmlns:a16="http://schemas.microsoft.com/office/drawing/2014/main" id="{D76FDF05-21BE-47CA-8E8E-B251B94A77D7}"/>
               </a:ext>
             </a:extLst>
           </p:cNvPr>
@@ -6006,8 +6279,8 @@
         </p:nvSpPr>
         <p:spPr>
           <a:xfrm>
-            <a:off x="2129589" y="1455821"/>
-            <a:ext cx="8915399" cy="547714"/>
+            <a:off x="2622428" y="1305911"/>
+            <a:ext cx="9396662" cy="547714"/>
           </a:xfrm>
           <a:prstGeom prst="rect">
             <a:avLst/>
@@ -6023,11 +6296,11 @@
           </a:bodyPr>
           <a:lstStyle/>
           <a:p>
-            <a:pPr marL="228600" indent="-228600">
+            <a:pPr marL="342900" indent="-342900">
               <a:lnSpc>
                 <a:spcPct val="150000"/>
               </a:lnSpc>
-              <a:buFont typeface=""/>
+              <a:buFont typeface="Arial" panose="020B0604020202020204" pitchFamily="34" charset="0"/>
               <a:buChar char="•"/>
             </a:pPr>
             <a:r>
@@ -6041,42 +6314,12 @@
           </a:p>
         </p:txBody>
       </p:sp>
-      <p:pic>
-        <p:nvPicPr>
-          <p:cNvPr id="4" name="Picture 3" descr="A screenshot of a computer code&#10;&#10;AI-generated content may be incorrect.">
+      <p:sp>
+        <p:nvSpPr>
+          <p:cNvPr id="4" name="TextBox 3">
             <a:extLst>
               <a:ext uri="{FF2B5EF4-FFF2-40B4-BE49-F238E27FC236}">
-                <a16:creationId xmlns:a16="http://schemas.microsoft.com/office/drawing/2014/main" id="{AF451D5C-51F7-F302-A410-1E28241E8DAB}"/>
-              </a:ext>
-            </a:extLst>
-          </p:cNvPr>
-          <p:cNvPicPr>
-            <a:picLocks noChangeAspect="1"/>
-          </p:cNvPicPr>
-          <p:nvPr/>
-        </p:nvPicPr>
-        <p:blipFill>
-          <a:blip r:embed="rId2"/>
-          <a:stretch>
-            <a:fillRect/>
-          </a:stretch>
-        </p:blipFill>
-        <p:spPr>
-          <a:xfrm>
-            <a:off x="1055020" y="4366210"/>
-            <a:ext cx="7058025" cy="2505075"/>
-          </a:xfrm>
-          <a:prstGeom prst="rect">
-            <a:avLst/>
-          </a:prstGeom>
-        </p:spPr>
-      </p:pic>
-      <p:sp>
-        <p:nvSpPr>
-          <p:cNvPr id="5" name="TextBox 4">
-            <a:extLst>
-              <a:ext uri="{FF2B5EF4-FFF2-40B4-BE49-F238E27FC236}">
-                <a16:creationId xmlns:a16="http://schemas.microsoft.com/office/drawing/2014/main" id="{43DD3C6E-9D14-4115-B0D4-2ECF2D26C31A}"/>
+                <a16:creationId xmlns:a16="http://schemas.microsoft.com/office/drawing/2014/main" id="{31D49A63-113D-4D89-FCDF-641BB513C668}"/>
               </a:ext>
             </a:extLst>
           </p:cNvPr>
@@ -6085,8 +6328,8 @@
         </p:nvSpPr>
         <p:spPr>
           <a:xfrm>
-            <a:off x="1058779" y="3741821"/>
-            <a:ext cx="4066673" cy="369332"/>
+            <a:off x="1637862" y="4114798"/>
+            <a:ext cx="4853165" cy="369332"/>
           </a:xfrm>
           <a:prstGeom prst="rect">
             <a:avLst/>
@@ -6094,27 +6337,24 @@
           <a:noFill/>
         </p:spPr>
         <p:txBody>
-          <a:bodyPr rot="0" spcFirstLastPara="0" vertOverflow="overflow" horzOverflow="overflow" vert="horz" wrap="square" lIns="91440" tIns="45720" rIns="91440" bIns="45720" numCol="1" spcCol="0" rtlCol="0" fromWordArt="0" anchor="t" anchorCtr="0" forceAA="0" compatLnSpc="1">
-            <a:prstTxWarp prst="textNoShape">
-              <a:avLst/>
-            </a:prstTxWarp>
+          <a:bodyPr wrap="square" rtlCol="0" anchor="t" anchorCtr="0">
             <a:spAutoFit/>
           </a:bodyPr>
           <a:lstStyle/>
           <a:p>
             <a:r>
-              <a:rPr lang="en-US" b="1"/>
-              <a:t>Example: Simple JSON Access</a:t>
-            </a:r>
-          </a:p>
-        </p:txBody>
-      </p:sp>
-      <p:sp>
-        <p:nvSpPr>
-          <p:cNvPr id="6" name="TextBox 5">
+              <a:rPr lang="en-IN" dirty="0"/>
+              <a:t>{code}</a:t>
+            </a:r>
+          </a:p>
+        </p:txBody>
+      </p:sp>
+      <p:sp>
+        <p:nvSpPr>
+          <p:cNvPr id="5" name="TextBox 4">
             <a:extLst>
               <a:ext uri="{FF2B5EF4-FFF2-40B4-BE49-F238E27FC236}">
-                <a16:creationId xmlns:a16="http://schemas.microsoft.com/office/drawing/2014/main" id="{78924123-8F4E-5CAC-605D-0AC28F873100}"/>
+                <a16:creationId xmlns:a16="http://schemas.microsoft.com/office/drawing/2014/main" id="{5DDDEAD6-0A16-A764-2C88-3B42006212FC}"/>
               </a:ext>
             </a:extLst>
           </p:cNvPr>
@@ -6123,8 +6363,8 @@
         </p:nvSpPr>
         <p:spPr>
           <a:xfrm>
-            <a:off x="8915401" y="3741821"/>
-            <a:ext cx="4259178" cy="369332"/>
+            <a:off x="6491027" y="4114797"/>
+            <a:ext cx="6444000" cy="3348000"/>
           </a:xfrm>
           <a:prstGeom prst="rect">
             <a:avLst/>
@@ -6132,57 +6372,20 @@
           <a:noFill/>
         </p:spPr>
         <p:txBody>
-          <a:bodyPr rot="0" spcFirstLastPara="0" vertOverflow="overflow" horzOverflow="overflow" vert="horz" wrap="square" lIns="91440" tIns="45720" rIns="91440" bIns="45720" numCol="1" spcCol="0" rtlCol="0" fromWordArt="0" anchor="t" anchorCtr="0" forceAA="0" compatLnSpc="1">
-            <a:prstTxWarp prst="textNoShape">
-              <a:avLst/>
-            </a:prstTxWarp>
+          <a:bodyPr wrap="square" rtlCol="0" anchor="t" anchorCtr="0">
             <a:spAutoFit/>
           </a:bodyPr>
           <a:lstStyle/>
           <a:p>
             <a:r>
-              <a:rPr lang="en-US" b="1"/>
-              <a:t>Sample API Response:</a:t>
-            </a:r>
-          </a:p>
-        </p:txBody>
-      </p:sp>
-      <p:pic>
-        <p:nvPicPr>
-          <p:cNvPr id="7" name="Picture 6" descr="A screenshot of a computer code&#10;&#10;AI-generated content may be incorrect.">
-            <a:extLst>
-              <a:ext uri="{FF2B5EF4-FFF2-40B4-BE49-F238E27FC236}">
-                <a16:creationId xmlns:a16="http://schemas.microsoft.com/office/drawing/2014/main" id="{ADCB9175-62CD-E3F7-DA35-F677F6F31EDB}"/>
-              </a:ext>
-            </a:extLst>
-          </p:cNvPr>
-          <p:cNvPicPr>
-            <a:picLocks noChangeAspect="1"/>
-          </p:cNvPicPr>
-          <p:nvPr/>
-        </p:nvPicPr>
-        <p:blipFill>
-          <a:blip r:embed="rId3"/>
-          <a:stretch>
-            <a:fillRect/>
-          </a:stretch>
-        </p:blipFill>
-        <p:spPr>
-          <a:xfrm>
-            <a:off x="9050004" y="4367213"/>
-            <a:ext cx="2883067" cy="1829301"/>
-          </a:xfrm>
-          <a:prstGeom prst="rect">
-            <a:avLst/>
-          </a:prstGeom>
-        </p:spPr>
-      </p:pic>
+              <a:rPr lang="en-IN"/>
+              <a:t>imageurl</a:t>
+            </a:r>
+            <a:endParaRPr lang="en-IN" dirty="0"/>
+          </a:p>
+        </p:txBody>
+      </p:sp>
     </p:spTree>
-    <p:extLst>
-      <p:ext uri="{BB962C8B-B14F-4D97-AF65-F5344CB8AC3E}">
-        <p14:creationId xmlns:p14="http://schemas.microsoft.com/office/powerpoint/2010/main" val="3951188525"/>
-      </p:ext>
-    </p:extLst>
   </p:cSld>
   <p:clrMapOvr>
     <a:masterClrMapping/>
@@ -6191,7 +6394,7 @@
 </file>
 
 <file path=ppt/slides/slide6.xml><?xml version="1.0" encoding="utf-8"?>
-<p:sld xmlns:a="http://schemas.openxmlformats.org/drawingml/2006/main" xmlns:r="http://schemas.openxmlformats.org/officeDocument/2006/relationships" xmlns:p="http://schemas.openxmlformats.org/presentationml/2006/main">
+<p:sld xmlns:a="http://schemas.openxmlformats.org/drawingml/2006/main" xmlns:p="http://schemas.openxmlformats.org/presentationml/2006/main" xmlns:r="http://schemas.openxmlformats.org/officeDocument/2006/relationships">
   <p:cSld>
     <p:spTree>
       <p:nvGrpSpPr>
@@ -6199,20 +6402,13 @@
         <p:cNvGrpSpPr/>
         <p:nvPr/>
       </p:nvGrpSpPr>
-      <p:grpSpPr>
-        <a:xfrm>
-          <a:off x="0" y="0"/>
-          <a:ext cx="0" cy="0"/>
-          <a:chOff x="0" y="0"/>
-          <a:chExt cx="0" cy="0"/>
-        </a:xfrm>
-      </p:grpSpPr>
+      <p:grpSpPr/>
       <p:sp>
         <p:nvSpPr>
           <p:cNvPr id="2" name="Title 1">
             <a:extLst>
               <a:ext uri="{FF2B5EF4-FFF2-40B4-BE49-F238E27FC236}">
-                <a16:creationId xmlns:a16="http://schemas.microsoft.com/office/drawing/2014/main" id="{59F0B984-7228-F3AB-61AD-6D86AC5C206B}"/>
+                <a16:creationId xmlns:a16="http://schemas.microsoft.com/office/drawing/2014/main" id="{8C546A1E-3282-3F02-B1AB-51E7A78F8696}"/>
               </a:ext>
             </a:extLst>
           </p:cNvPr>
@@ -6246,10 +6442,10 @@
       </p:sp>
       <p:sp>
         <p:nvSpPr>
-          <p:cNvPr id="3" name="TextBox 2">
+          <p:cNvPr id="7" name="TextBox 6">
             <a:extLst>
               <a:ext uri="{FF2B5EF4-FFF2-40B4-BE49-F238E27FC236}">
-                <a16:creationId xmlns:a16="http://schemas.microsoft.com/office/drawing/2014/main" id="{12AA078E-83F2-1FFF-B106-511668B808C4}"/>
+                <a16:creationId xmlns:a16="http://schemas.microsoft.com/office/drawing/2014/main" id="{D76FDF05-21BE-47CA-8E8E-B251B94A77D7}"/>
               </a:ext>
             </a:extLst>
           </p:cNvPr>
@@ -6258,8 +6454,8 @@
         </p:nvSpPr>
         <p:spPr>
           <a:xfrm>
-            <a:off x="2442410" y="1491916"/>
-            <a:ext cx="9757610" cy="547714"/>
+            <a:off x="2622428" y="1305911"/>
+            <a:ext cx="9396662" cy="547714"/>
           </a:xfrm>
           <a:prstGeom prst="rect">
             <a:avLst/>
@@ -6275,11 +6471,11 @@
           </a:bodyPr>
           <a:lstStyle/>
           <a:p>
-            <a:pPr marL="228600" indent="-228600">
+            <a:pPr marL="342900" indent="-342900">
               <a:lnSpc>
                 <a:spcPct val="150000"/>
               </a:lnSpc>
-              <a:buFont typeface=""/>
+              <a:buFont typeface="Arial" panose="020B0604020202020204" pitchFamily="34" charset="0"/>
               <a:buChar char="•"/>
             </a:pPr>
             <a:r>
@@ -6293,89 +6489,12 @@
           </a:p>
         </p:txBody>
       </p:sp>
-      <p:graphicFrame>
-        <p:nvGraphicFramePr>
-          <p:cNvPr id="5" name="Table 4">
+      <p:sp>
+        <p:nvSpPr>
+          <p:cNvPr id="4" name="TextBox 3">
             <a:extLst>
               <a:ext uri="{FF2B5EF4-FFF2-40B4-BE49-F238E27FC236}">
-                <a16:creationId xmlns:a16="http://schemas.microsoft.com/office/drawing/2014/main" id="{877B7E26-E22A-A4E1-18B1-CDE175E6FD0F}"/>
-              </a:ext>
-            </a:extLst>
-          </p:cNvPr>
-          <p:cNvGraphicFramePr>
-            <a:graphicFrameLocks noGrp="1"/>
-          </p:cNvGraphicFramePr>
-          <p:nvPr>
-            <p:extLst>
-              <p:ext uri="{D42A27DB-BD31-4B8C-83A1-F6EECF244321}">
-                <p14:modId xmlns:p14="http://schemas.microsoft.com/office/powerpoint/2010/main" val="152986893"/>
-              </p:ext>
-            </p:extLst>
-          </p:nvPr>
-        </p:nvGraphicFramePr>
-        <p:xfrm>
-          <a:off x="0" y="3904488"/>
-          <a:ext cx="8590804" cy="880629"/>
-        </p:xfrm>
-        <a:graphic>
-          <a:graphicData uri="http://schemas.openxmlformats.org/drawingml/2006/table">
-            <a:tbl>
-              <a:tblPr bandRow="1">
-                <a:tableStyleId>{5C22544A-7EE6-4342-B048-85BDC9FD1C3A}</a:tableStyleId>
-              </a:tblPr>
-              <a:tblGrid>
-                <a:gridCol w="8590804">
-                  <a:extLst>
-                    <a:ext uri="{9D8B030D-6E8A-4147-A177-3AD203B41FA5}">
-                      <a16:colId xmlns:a16="http://schemas.microsoft.com/office/drawing/2014/main" val="70750250"/>
-                    </a:ext>
-                  </a:extLst>
-                </a:gridCol>
-              </a:tblGrid>
-              <a:tr h="880629">
-                <a:tc>
-                  <a:txBody>
-                    <a:bodyPr/>
-                    <a:lstStyle/>
-                    <a:p>
-                      <a:pPr>
-                        <a:buNone/>
-                      </a:pPr>
-                      <a:endParaRPr lang="en-US"/>
-                    </a:p>
-                  </a:txBody>
-                  <a:tcPr anchor="ctr">
-                    <a:lnL>
-                      <a:noFill/>
-                    </a:lnL>
-                    <a:lnR>
-                      <a:noFill/>
-                    </a:lnR>
-                    <a:lnT>
-                      <a:noFill/>
-                    </a:lnT>
-                    <a:lnB>
-                      <a:noFill/>
-                    </a:lnB>
-                    <a:noFill/>
-                  </a:tcPr>
-                </a:tc>
-                <a:extLst>
-                  <a:ext uri="{0D108BD9-81ED-4DB2-BD59-A6C34878D82A}">
-                    <a16:rowId xmlns:a16="http://schemas.microsoft.com/office/drawing/2014/main" val="3251731895"/>
-                  </a:ext>
-                </a:extLst>
-              </a:tr>
-            </a:tbl>
-          </a:graphicData>
-        </a:graphic>
-      </p:graphicFrame>
-      <p:sp>
-        <p:nvSpPr>
-          <p:cNvPr id="6" name="TextBox 5">
-            <a:extLst>
-              <a:ext uri="{FF2B5EF4-FFF2-40B4-BE49-F238E27FC236}">
-                <a16:creationId xmlns:a16="http://schemas.microsoft.com/office/drawing/2014/main" id="{5493BBEC-9F0C-F2A7-1D21-F87357F699F1}"/>
+                <a16:creationId xmlns:a16="http://schemas.microsoft.com/office/drawing/2014/main" id="{31D49A63-113D-4D89-FCDF-641BB513C668}"/>
               </a:ext>
             </a:extLst>
           </p:cNvPr>
@@ -6384,8 +6503,8 @@
         </p:nvSpPr>
         <p:spPr>
           <a:xfrm>
-            <a:off x="2021305" y="3537284"/>
-            <a:ext cx="4162926" cy="369332"/>
+            <a:off x="1637862" y="4114798"/>
+            <a:ext cx="4853165" cy="369332"/>
           </a:xfrm>
           <a:prstGeom prst="rect">
             <a:avLst/>
@@ -6393,57 +6512,55 @@
           <a:noFill/>
         </p:spPr>
         <p:txBody>
-          <a:bodyPr rot="0" spcFirstLastPara="0" vertOverflow="overflow" horzOverflow="overflow" vert="horz" wrap="square" lIns="91440" tIns="45720" rIns="91440" bIns="45720" numCol="1" spcCol="0" rtlCol="0" fromWordArt="0" anchor="t" anchorCtr="0" forceAA="0" compatLnSpc="1">
-            <a:prstTxWarp prst="textNoShape">
-              <a:avLst/>
-            </a:prstTxWarp>
+          <a:bodyPr wrap="square" rtlCol="0" anchor="t" anchorCtr="0">
             <a:spAutoFit/>
           </a:bodyPr>
           <a:lstStyle/>
           <a:p>
             <a:r>
-              <a:rPr lang="en-US" b="1"/>
-              <a:t>Common HTTP Status Codes:</a:t>
-            </a:r>
-          </a:p>
-        </p:txBody>
-      </p:sp>
-      <p:pic>
-        <p:nvPicPr>
-          <p:cNvPr id="7" name="Picture 6" descr="A screenshot of a computer error&#10;&#10;AI-generated content may be incorrect.">
+              <a:rPr lang="en-IN" dirty="0"/>
+              <a:t>{code}</a:t>
+            </a:r>
+          </a:p>
+        </p:txBody>
+      </p:sp>
+      <p:sp>
+        <p:nvSpPr>
+          <p:cNvPr id="5" name="TextBox 4">
             <a:extLst>
               <a:ext uri="{FF2B5EF4-FFF2-40B4-BE49-F238E27FC236}">
-                <a16:creationId xmlns:a16="http://schemas.microsoft.com/office/drawing/2014/main" id="{ED95F62F-A9A2-C2AA-C7D0-1B14C67E3DA8}"/>
+                <a16:creationId xmlns:a16="http://schemas.microsoft.com/office/drawing/2014/main" id="{5DDDEAD6-0A16-A764-2C88-3B42006212FC}"/>
               </a:ext>
             </a:extLst>
           </p:cNvPr>
-          <p:cNvPicPr>
-            <a:picLocks noChangeAspect="1"/>
-          </p:cNvPicPr>
+          <p:cNvSpPr txBox="1"/>
           <p:nvPr/>
-        </p:nvPicPr>
-        <p:blipFill>
-          <a:blip r:embed="rId2"/>
-          <a:stretch>
-            <a:fillRect/>
-          </a:stretch>
-        </p:blipFill>
-        <p:spPr>
-          <a:xfrm>
-            <a:off x="2610351" y="4112545"/>
-            <a:ext cx="8302792" cy="3000375"/>
-          </a:xfrm>
-          <a:prstGeom prst="rect">
-            <a:avLst/>
-          </a:prstGeom>
-        </p:spPr>
-      </p:pic>
+        </p:nvSpPr>
+        <p:spPr>
+          <a:xfrm>
+            <a:off x="6491027" y="4114797"/>
+            <a:ext cx="6444000" cy="3348000"/>
+          </a:xfrm>
+          <a:prstGeom prst="rect">
+            <a:avLst/>
+          </a:prstGeom>
+          <a:noFill/>
+        </p:spPr>
+        <p:txBody>
+          <a:bodyPr wrap="square" rtlCol="0" anchor="t" anchorCtr="0">
+            <a:spAutoFit/>
+          </a:bodyPr>
+          <a:lstStyle/>
+          <a:p>
+            <a:r>
+              <a:rPr lang="en-IN"/>
+              <a:t>imageurl</a:t>
+            </a:r>
+            <a:endParaRPr lang="en-IN" dirty="0"/>
+          </a:p>
+        </p:txBody>
+      </p:sp>
     </p:spTree>
-    <p:extLst>
-      <p:ext uri="{BB962C8B-B14F-4D97-AF65-F5344CB8AC3E}">
-        <p14:creationId xmlns:p14="http://schemas.microsoft.com/office/powerpoint/2010/main" val="3268676450"/>
-      </p:ext>
-    </p:extLst>
   </p:cSld>
   <p:clrMapOvr>
     <a:masterClrMapping/>
@@ -6452,7 +6569,7 @@
 </file>
 
 <file path=ppt/slides/slide7.xml><?xml version="1.0" encoding="utf-8"?>
-<p:sld xmlns:a="http://schemas.openxmlformats.org/drawingml/2006/main" xmlns:r="http://schemas.openxmlformats.org/officeDocument/2006/relationships" xmlns:p="http://schemas.openxmlformats.org/presentationml/2006/main">
+<p:sld xmlns:a="http://schemas.openxmlformats.org/drawingml/2006/main" xmlns:p="http://schemas.openxmlformats.org/presentationml/2006/main" xmlns:r="http://schemas.openxmlformats.org/officeDocument/2006/relationships">
   <p:cSld>
     <p:spTree>
       <p:nvGrpSpPr>
@@ -6460,20 +6577,13 @@
         <p:cNvGrpSpPr/>
         <p:nvPr/>
       </p:nvGrpSpPr>
-      <p:grpSpPr>
-        <a:xfrm>
-          <a:off x="0" y="0"/>
-          <a:ext cx="0" cy="0"/>
-          <a:chOff x="0" y="0"/>
-          <a:chExt cx="0" cy="0"/>
-        </a:xfrm>
-      </p:grpSpPr>
+      <p:grpSpPr/>
       <p:sp>
         <p:nvSpPr>
           <p:cNvPr id="2" name="Title 1">
             <a:extLst>
               <a:ext uri="{FF2B5EF4-FFF2-40B4-BE49-F238E27FC236}">
-                <a16:creationId xmlns:a16="http://schemas.microsoft.com/office/drawing/2014/main" id="{9721F905-8E9D-274A-E526-E8E98D000C2D}"/>
+                <a16:creationId xmlns:a16="http://schemas.microsoft.com/office/drawing/2014/main" id="{8C546A1E-3282-3F02-B1AB-51E7A78F8696}"/>
               </a:ext>
             </a:extLst>
           </p:cNvPr>
@@ -6507,10 +6617,10 @@
       </p:sp>
       <p:sp>
         <p:nvSpPr>
-          <p:cNvPr id="3" name="TextBox 2">
+          <p:cNvPr id="7" name="TextBox 6">
             <a:extLst>
               <a:ext uri="{FF2B5EF4-FFF2-40B4-BE49-F238E27FC236}">
-                <a16:creationId xmlns:a16="http://schemas.microsoft.com/office/drawing/2014/main" id="{6136EE62-52D1-492E-8C71-1B091B3F080B}"/>
+                <a16:creationId xmlns:a16="http://schemas.microsoft.com/office/drawing/2014/main" id="{D76FDF05-21BE-47CA-8E8E-B251B94A77D7}"/>
               </a:ext>
             </a:extLst>
           </p:cNvPr>
@@ -6519,8 +6629,8 @@
         </p:nvSpPr>
         <p:spPr>
           <a:xfrm>
-            <a:off x="2725838" y="1467091"/>
-            <a:ext cx="9190298" cy="547714"/>
+            <a:off x="2622428" y="1305911"/>
+            <a:ext cx="9396662" cy="547714"/>
           </a:xfrm>
           <a:prstGeom prst="rect">
             <a:avLst/>
@@ -6554,12 +6664,78 @@
           </a:p>
         </p:txBody>
       </p:sp>
+      <p:sp>
+        <p:nvSpPr>
+          <p:cNvPr id="4" name="TextBox 3">
+            <a:extLst>
+              <a:ext uri="{FF2B5EF4-FFF2-40B4-BE49-F238E27FC236}">
+                <a16:creationId xmlns:a16="http://schemas.microsoft.com/office/drawing/2014/main" id="{31D49A63-113D-4D89-FCDF-641BB513C668}"/>
+              </a:ext>
+            </a:extLst>
+          </p:cNvPr>
+          <p:cNvSpPr txBox="1"/>
+          <p:nvPr/>
+        </p:nvSpPr>
+        <p:spPr>
+          <a:xfrm>
+            <a:off x="1637862" y="4114798"/>
+            <a:ext cx="4853165" cy="369332"/>
+          </a:xfrm>
+          <a:prstGeom prst="rect">
+            <a:avLst/>
+          </a:prstGeom>
+          <a:noFill/>
+        </p:spPr>
+        <p:txBody>
+          <a:bodyPr wrap="square" rtlCol="0" anchor="t" anchorCtr="0">
+            <a:spAutoFit/>
+          </a:bodyPr>
+          <a:lstStyle/>
+          <a:p>
+            <a:r>
+              <a:rPr lang="en-IN" dirty="0"/>
+              <a:t>{code}</a:t>
+            </a:r>
+          </a:p>
+        </p:txBody>
+      </p:sp>
+      <p:sp>
+        <p:nvSpPr>
+          <p:cNvPr id="5" name="TextBox 4">
+            <a:extLst>
+              <a:ext uri="{FF2B5EF4-FFF2-40B4-BE49-F238E27FC236}">
+                <a16:creationId xmlns:a16="http://schemas.microsoft.com/office/drawing/2014/main" id="{5DDDEAD6-0A16-A764-2C88-3B42006212FC}"/>
+              </a:ext>
+            </a:extLst>
+          </p:cNvPr>
+          <p:cNvSpPr txBox="1"/>
+          <p:nvPr/>
+        </p:nvSpPr>
+        <p:spPr>
+          <a:xfrm>
+            <a:off x="6491027" y="4114797"/>
+            <a:ext cx="6444000" cy="3348000"/>
+          </a:xfrm>
+          <a:prstGeom prst="rect">
+            <a:avLst/>
+          </a:prstGeom>
+          <a:noFill/>
+        </p:spPr>
+        <p:txBody>
+          <a:bodyPr wrap="square" rtlCol="0" anchor="t" anchorCtr="0">
+            <a:spAutoFit/>
+          </a:bodyPr>
+          <a:lstStyle/>
+          <a:p>
+            <a:r>
+              <a:rPr lang="en-IN"/>
+              <a:t>imageurl</a:t>
+            </a:r>
+            <a:endParaRPr lang="en-IN" dirty="0"/>
+          </a:p>
+        </p:txBody>
+      </p:sp>
     </p:spTree>
-    <p:extLst>
-      <p:ext uri="{BB962C8B-B14F-4D97-AF65-F5344CB8AC3E}">
-        <p14:creationId xmlns:p14="http://schemas.microsoft.com/office/powerpoint/2010/main" val="1868477309"/>
-      </p:ext>
-    </p:extLst>
   </p:cSld>
   <p:clrMapOvr>
     <a:masterClrMapping/>
@@ -6568,7 +6744,7 @@
 </file>
 
 <file path=ppt/slides/slide8.xml><?xml version="1.0" encoding="utf-8"?>
-<p:sld xmlns:a="http://schemas.openxmlformats.org/drawingml/2006/main" xmlns:r="http://schemas.openxmlformats.org/officeDocument/2006/relationships" xmlns:p="http://schemas.openxmlformats.org/presentationml/2006/main">
+<p:sld xmlns:a="http://schemas.openxmlformats.org/drawingml/2006/main" xmlns:p="http://schemas.openxmlformats.org/presentationml/2006/main" xmlns:r="http://schemas.openxmlformats.org/officeDocument/2006/relationships">
   <p:cSld>
     <p:spTree>
       <p:nvGrpSpPr>
@@ -6576,20 +6752,13 @@
         <p:cNvGrpSpPr/>
         <p:nvPr/>
       </p:nvGrpSpPr>
-      <p:grpSpPr>
-        <a:xfrm>
-          <a:off x="0" y="0"/>
-          <a:ext cx="0" cy="0"/>
-          <a:chOff x="0" y="0"/>
-          <a:chExt cx="0" cy="0"/>
-        </a:xfrm>
-      </p:grpSpPr>
+      <p:grpSpPr/>
       <p:sp>
         <p:nvSpPr>
           <p:cNvPr id="2" name="Title 1">
             <a:extLst>
               <a:ext uri="{FF2B5EF4-FFF2-40B4-BE49-F238E27FC236}">
-                <a16:creationId xmlns:a16="http://schemas.microsoft.com/office/drawing/2014/main" id="{FA61537D-6018-DA80-2D18-2BD7C7D60E82}"/>
+                <a16:creationId xmlns:a16="http://schemas.microsoft.com/office/drawing/2014/main" id="{8C546A1E-3282-3F02-B1AB-51E7A78F8696}"/>
               </a:ext>
             </a:extLst>
           </p:cNvPr>
@@ -6623,10 +6792,10 @@
       </p:sp>
       <p:sp>
         <p:nvSpPr>
-          <p:cNvPr id="3" name="TextBox 2">
+          <p:cNvPr id="7" name="TextBox 6">
             <a:extLst>
               <a:ext uri="{FF2B5EF4-FFF2-40B4-BE49-F238E27FC236}">
-                <a16:creationId xmlns:a16="http://schemas.microsoft.com/office/drawing/2014/main" id="{C80D93A9-C0BD-1FF1-8A30-E7A7ADBBA9B3}"/>
+                <a16:creationId xmlns:a16="http://schemas.microsoft.com/office/drawing/2014/main" id="{D76FDF05-21BE-47CA-8E8E-B251B94A77D7}"/>
               </a:ext>
             </a:extLst>
           </p:cNvPr>
@@ -6635,8 +6804,8 @@
         </p:nvSpPr>
         <p:spPr>
           <a:xfrm>
-            <a:off x="2262851" y="1362919"/>
-            <a:ext cx="10127846" cy="547714"/>
+            <a:off x="2622428" y="1305911"/>
+            <a:ext cx="9396662" cy="547714"/>
           </a:xfrm>
           <a:prstGeom prst="rect">
             <a:avLst/>
@@ -6670,42 +6839,78 @@
           </a:p>
         </p:txBody>
       </p:sp>
-      <p:pic>
-        <p:nvPicPr>
-          <p:cNvPr id="4" name="Picture 3" descr="pymupdf · GitHub Topics · GitHub">
+      <p:sp>
+        <p:nvSpPr>
+          <p:cNvPr id="4" name="TextBox 3">
             <a:extLst>
               <a:ext uri="{FF2B5EF4-FFF2-40B4-BE49-F238E27FC236}">
-                <a16:creationId xmlns:a16="http://schemas.microsoft.com/office/drawing/2014/main" id="{3FA5A263-A383-C10A-E2BA-F23BDF4FFD6E}"/>
+                <a16:creationId xmlns:a16="http://schemas.microsoft.com/office/drawing/2014/main" id="{31D49A63-113D-4D89-FCDF-641BB513C668}"/>
               </a:ext>
             </a:extLst>
           </p:cNvPr>
-          <p:cNvPicPr>
-            <a:picLocks noChangeAspect="1"/>
-          </p:cNvPicPr>
+          <p:cNvSpPr txBox="1"/>
           <p:nvPr/>
-        </p:nvPicPr>
-        <p:blipFill>
-          <a:blip r:embed="rId2"/>
-          <a:stretch>
-            <a:fillRect/>
-          </a:stretch>
-        </p:blipFill>
-        <p:spPr>
-          <a:xfrm>
-            <a:off x="4415743" y="4273951"/>
-            <a:ext cx="5416951" cy="2725837"/>
-          </a:xfrm>
-          <a:prstGeom prst="rect">
-            <a:avLst/>
-          </a:prstGeom>
-        </p:spPr>
-      </p:pic>
+        </p:nvSpPr>
+        <p:spPr>
+          <a:xfrm>
+            <a:off x="1637862" y="4114798"/>
+            <a:ext cx="4853165" cy="369332"/>
+          </a:xfrm>
+          <a:prstGeom prst="rect">
+            <a:avLst/>
+          </a:prstGeom>
+          <a:noFill/>
+        </p:spPr>
+        <p:txBody>
+          <a:bodyPr wrap="square" rtlCol="0" anchor="t" anchorCtr="0">
+            <a:spAutoFit/>
+          </a:bodyPr>
+          <a:lstStyle/>
+          <a:p>
+            <a:r>
+              <a:rPr lang="en-IN" dirty="0"/>
+              <a:t>{code}</a:t>
+            </a:r>
+          </a:p>
+        </p:txBody>
+      </p:sp>
+      <p:sp>
+        <p:nvSpPr>
+          <p:cNvPr id="5" name="TextBox 4">
+            <a:extLst>
+              <a:ext uri="{FF2B5EF4-FFF2-40B4-BE49-F238E27FC236}">
+                <a16:creationId xmlns:a16="http://schemas.microsoft.com/office/drawing/2014/main" id="{5DDDEAD6-0A16-A764-2C88-3B42006212FC}"/>
+              </a:ext>
+            </a:extLst>
+          </p:cNvPr>
+          <p:cNvSpPr txBox="1"/>
+          <p:nvPr/>
+        </p:nvSpPr>
+        <p:spPr>
+          <a:xfrm>
+            <a:off x="6491027" y="4114797"/>
+            <a:ext cx="6444000" cy="3348000"/>
+          </a:xfrm>
+          <a:prstGeom prst="rect">
+            <a:avLst/>
+          </a:prstGeom>
+          <a:noFill/>
+        </p:spPr>
+        <p:txBody>
+          <a:bodyPr wrap="square" rtlCol="0" anchor="t" anchorCtr="0">
+            <a:spAutoFit/>
+          </a:bodyPr>
+          <a:lstStyle/>
+          <a:p>
+            <a:r>
+              <a:rPr lang="en-IN"/>
+              <a:t>imageurl</a:t>
+            </a:r>
+            <a:endParaRPr lang="en-IN" dirty="0"/>
+          </a:p>
+        </p:txBody>
+      </p:sp>
     </p:spTree>
-    <p:extLst>
-      <p:ext uri="{BB962C8B-B14F-4D97-AF65-F5344CB8AC3E}">
-        <p14:creationId xmlns:p14="http://schemas.microsoft.com/office/powerpoint/2010/main" val="3487897621"/>
-      </p:ext>
-    </p:extLst>
   </p:cSld>
   <p:clrMapOvr>
     <a:masterClrMapping/>
@@ -6714,7 +6919,7 @@
 </file>
 
 <file path=ppt/slides/slide9.xml><?xml version="1.0" encoding="utf-8"?>
-<p:sld xmlns:a="http://schemas.openxmlformats.org/drawingml/2006/main" xmlns:r="http://schemas.openxmlformats.org/officeDocument/2006/relationships" xmlns:p="http://schemas.openxmlformats.org/presentationml/2006/main">
+<p:sld xmlns:a="http://schemas.openxmlformats.org/drawingml/2006/main" xmlns:p="http://schemas.openxmlformats.org/presentationml/2006/main" xmlns:r="http://schemas.openxmlformats.org/officeDocument/2006/relationships">
   <p:cSld>
     <p:spTree>
       <p:nvGrpSpPr>
@@ -6722,20 +6927,13 @@
         <p:cNvGrpSpPr/>
         <p:nvPr/>
       </p:nvGrpSpPr>
-      <p:grpSpPr>
-        <a:xfrm>
-          <a:off x="0" y="0"/>
-          <a:ext cx="0" cy="0"/>
-          <a:chOff x="0" y="0"/>
-          <a:chExt cx="0" cy="0"/>
-        </a:xfrm>
-      </p:grpSpPr>
+      <p:grpSpPr/>
       <p:sp>
         <p:nvSpPr>
           <p:cNvPr id="2" name="Title 1">
             <a:extLst>
               <a:ext uri="{FF2B5EF4-FFF2-40B4-BE49-F238E27FC236}">
-                <a16:creationId xmlns:a16="http://schemas.microsoft.com/office/drawing/2014/main" id="{3652F2AC-2A48-EF0A-4C2C-92487DDA4950}"/>
+                <a16:creationId xmlns:a16="http://schemas.microsoft.com/office/drawing/2014/main" id="{8C546A1E-3282-3F02-B1AB-51E7A78F8696}"/>
               </a:ext>
             </a:extLst>
           </p:cNvPr>
@@ -6772,7 +6970,7 @@
           <p:cNvPr id="7" name="TextBox 6">
             <a:extLst>
               <a:ext uri="{FF2B5EF4-FFF2-40B4-BE49-F238E27FC236}">
-                <a16:creationId xmlns:a16="http://schemas.microsoft.com/office/drawing/2014/main" id="{B5BF6B0D-B37B-DF87-1B40-241108794F69}"/>
+                <a16:creationId xmlns:a16="http://schemas.microsoft.com/office/drawing/2014/main" id="{D76FDF05-21BE-47CA-8E8E-B251B94A77D7}"/>
               </a:ext>
             </a:extLst>
           </p:cNvPr>
@@ -6781,8 +6979,8 @@
         </p:nvSpPr>
         <p:spPr>
           <a:xfrm>
-            <a:off x="2934183" y="1455517"/>
-            <a:ext cx="8403219" cy="547714"/>
+            <a:off x="2622428" y="1305911"/>
+            <a:ext cx="9396662" cy="547714"/>
           </a:xfrm>
           <a:prstGeom prst="rect">
             <a:avLst/>
@@ -6816,12 +7014,78 @@
           </a:p>
         </p:txBody>
       </p:sp>
+      <p:sp>
+        <p:nvSpPr>
+          <p:cNvPr id="4" name="TextBox 3">
+            <a:extLst>
+              <a:ext uri="{FF2B5EF4-FFF2-40B4-BE49-F238E27FC236}">
+                <a16:creationId xmlns:a16="http://schemas.microsoft.com/office/drawing/2014/main" id="{31D49A63-113D-4D89-FCDF-641BB513C668}"/>
+              </a:ext>
+            </a:extLst>
+          </p:cNvPr>
+          <p:cNvSpPr txBox="1"/>
+          <p:nvPr/>
+        </p:nvSpPr>
+        <p:spPr>
+          <a:xfrm>
+            <a:off x="1637862" y="4114798"/>
+            <a:ext cx="4853165" cy="369332"/>
+          </a:xfrm>
+          <a:prstGeom prst="rect">
+            <a:avLst/>
+          </a:prstGeom>
+          <a:noFill/>
+        </p:spPr>
+        <p:txBody>
+          <a:bodyPr wrap="square" rtlCol="0" anchor="t" anchorCtr="0">
+            <a:spAutoFit/>
+          </a:bodyPr>
+          <a:lstStyle/>
+          <a:p>
+            <a:r>
+              <a:rPr lang="en-IN" dirty="0"/>
+              <a:t>{code}</a:t>
+            </a:r>
+          </a:p>
+        </p:txBody>
+      </p:sp>
+      <p:sp>
+        <p:nvSpPr>
+          <p:cNvPr id="5" name="TextBox 4">
+            <a:extLst>
+              <a:ext uri="{FF2B5EF4-FFF2-40B4-BE49-F238E27FC236}">
+                <a16:creationId xmlns:a16="http://schemas.microsoft.com/office/drawing/2014/main" id="{5DDDEAD6-0A16-A764-2C88-3B42006212FC}"/>
+              </a:ext>
+            </a:extLst>
+          </p:cNvPr>
+          <p:cNvSpPr txBox="1"/>
+          <p:nvPr/>
+        </p:nvSpPr>
+        <p:spPr>
+          <a:xfrm>
+            <a:off x="6491027" y="4114797"/>
+            <a:ext cx="6444000" cy="3348000"/>
+          </a:xfrm>
+          <a:prstGeom prst="rect">
+            <a:avLst/>
+          </a:prstGeom>
+          <a:noFill/>
+        </p:spPr>
+        <p:txBody>
+          <a:bodyPr wrap="square" rtlCol="0" anchor="t" anchorCtr="0">
+            <a:spAutoFit/>
+          </a:bodyPr>
+          <a:lstStyle/>
+          <a:p>
+            <a:r>
+              <a:rPr lang="en-IN"/>
+              <a:t>imageurl</a:t>
+            </a:r>
+            <a:endParaRPr lang="en-IN" dirty="0"/>
+          </a:p>
+        </p:txBody>
+      </p:sp>
     </p:spTree>
-    <p:extLst>
-      <p:ext uri="{BB962C8B-B14F-4D97-AF65-F5344CB8AC3E}">
-        <p14:creationId xmlns:p14="http://schemas.microsoft.com/office/powerpoint/2010/main" val="3339277221"/>
-      </p:ext>
-    </p:extLst>
   </p:cSld>
   <p:clrMapOvr>
     <a:masterClrMapping/>
